--- a/paper/images/codegen_figure.pptx
+++ b/paper/images/codegen_figure.pptx
@@ -243,7 +243,7 @@
           <a:p>
             <a:fld id="{99CF8694-6013-4282-99BB-8B1EBC94979D}" type="datetimeFigureOut">
               <a:rPr lang="en-US" smtClean="0"/>
-              <a:t>12/17/2016</a:t>
+              <a:t>12/21/2016</a:t>
             </a:fld>
             <a:endParaRPr lang="en-US"/>
           </a:p>
@@ -413,7 +413,7 @@
           <a:p>
             <a:fld id="{99CF8694-6013-4282-99BB-8B1EBC94979D}" type="datetimeFigureOut">
               <a:rPr lang="en-US" smtClean="0"/>
-              <a:t>12/17/2016</a:t>
+              <a:t>12/21/2016</a:t>
             </a:fld>
             <a:endParaRPr lang="en-US"/>
           </a:p>
@@ -593,7 +593,7 @@
           <a:p>
             <a:fld id="{99CF8694-6013-4282-99BB-8B1EBC94979D}" type="datetimeFigureOut">
               <a:rPr lang="en-US" smtClean="0"/>
-              <a:t>12/17/2016</a:t>
+              <a:t>12/21/2016</a:t>
             </a:fld>
             <a:endParaRPr lang="en-US"/>
           </a:p>
@@ -763,7 +763,7 @@
           <a:p>
             <a:fld id="{99CF8694-6013-4282-99BB-8B1EBC94979D}" type="datetimeFigureOut">
               <a:rPr lang="en-US" smtClean="0"/>
-              <a:t>12/17/2016</a:t>
+              <a:t>12/21/2016</a:t>
             </a:fld>
             <a:endParaRPr lang="en-US"/>
           </a:p>
@@ -1009,7 +1009,7 @@
           <a:p>
             <a:fld id="{99CF8694-6013-4282-99BB-8B1EBC94979D}" type="datetimeFigureOut">
               <a:rPr lang="en-US" smtClean="0"/>
-              <a:t>12/17/2016</a:t>
+              <a:t>12/21/2016</a:t>
             </a:fld>
             <a:endParaRPr lang="en-US"/>
           </a:p>
@@ -1241,7 +1241,7 @@
           <a:p>
             <a:fld id="{99CF8694-6013-4282-99BB-8B1EBC94979D}" type="datetimeFigureOut">
               <a:rPr lang="en-US" smtClean="0"/>
-              <a:t>12/17/2016</a:t>
+              <a:t>12/21/2016</a:t>
             </a:fld>
             <a:endParaRPr lang="en-US"/>
           </a:p>
@@ -1608,7 +1608,7 @@
           <a:p>
             <a:fld id="{99CF8694-6013-4282-99BB-8B1EBC94979D}" type="datetimeFigureOut">
               <a:rPr lang="en-US" smtClean="0"/>
-              <a:t>12/17/2016</a:t>
+              <a:t>12/21/2016</a:t>
             </a:fld>
             <a:endParaRPr lang="en-US"/>
           </a:p>
@@ -1726,7 +1726,7 @@
           <a:p>
             <a:fld id="{99CF8694-6013-4282-99BB-8B1EBC94979D}" type="datetimeFigureOut">
               <a:rPr lang="en-US" smtClean="0"/>
-              <a:t>12/17/2016</a:t>
+              <a:t>12/21/2016</a:t>
             </a:fld>
             <a:endParaRPr lang="en-US"/>
           </a:p>
@@ -1821,7 +1821,7 @@
           <a:p>
             <a:fld id="{99CF8694-6013-4282-99BB-8B1EBC94979D}" type="datetimeFigureOut">
               <a:rPr lang="en-US" smtClean="0"/>
-              <a:t>12/17/2016</a:t>
+              <a:t>12/21/2016</a:t>
             </a:fld>
             <a:endParaRPr lang="en-US"/>
           </a:p>
@@ -2098,7 +2098,7 @@
           <a:p>
             <a:fld id="{99CF8694-6013-4282-99BB-8B1EBC94979D}" type="datetimeFigureOut">
               <a:rPr lang="en-US" smtClean="0"/>
-              <a:t>12/17/2016</a:t>
+              <a:t>12/21/2016</a:t>
             </a:fld>
             <a:endParaRPr lang="en-US"/>
           </a:p>
@@ -2355,7 +2355,7 @@
           <a:p>
             <a:fld id="{99CF8694-6013-4282-99BB-8B1EBC94979D}" type="datetimeFigureOut">
               <a:rPr lang="en-US" smtClean="0"/>
-              <a:t>12/17/2016</a:t>
+              <a:t>12/21/2016</a:t>
             </a:fld>
             <a:endParaRPr lang="en-US"/>
           </a:p>
@@ -2568,7 +2568,7 @@
           <a:p>
             <a:fld id="{99CF8694-6013-4282-99BB-8B1EBC94979D}" type="datetimeFigureOut">
               <a:rPr lang="en-US" smtClean="0"/>
-              <a:t>12/17/2016</a:t>
+              <a:t>12/21/2016</a:t>
             </a:fld>
             <a:endParaRPr lang="en-US"/>
           </a:p>
@@ -3095,10 +3095,6 @@
               </a:rPr>
               <a:t> __size);</a:t>
             </a:r>
-            <a:endParaRPr lang="en-US" sz="1754" dirty="0">
-              <a:latin typeface="Courier New" panose="02070309020205020404" pitchFamily="49" charset="0"/>
-              <a:cs typeface="Courier New" panose="02070309020205020404" pitchFamily="49" charset="0"/>
-            </a:endParaRPr>
           </a:p>
         </p:txBody>
       </p:sp>
@@ -3723,10 +3719,10 @@
                 <a:latin typeface="Courier New" panose="02070309020205020404" pitchFamily="49" charset="0"/>
                 <a:cs typeface="Courier New" panose="02070309020205020404" pitchFamily="49" charset="0"/>
               </a:rPr>
-              <a:t>(size);	</a:t>
-            </a:r>
-            <a:r>
-              <a:rPr lang="en-US" sz="1754" dirty="0">
+              <a:t>(size);	         </a:t>
+            </a:r>
+            <a:r>
+              <a:rPr lang="en-US" sz="1754" dirty="0" smtClean="0">
                 <a:solidFill>
                   <a:srgbClr val="000000"/>
                 </a:solidFill>
@@ -3736,24 +3732,24 @@
               <a:t> </a:t>
             </a:r>
             <a:r>
-              <a:rPr lang="en-US" sz="1754" dirty="0">
-                <a:solidFill>
-                  <a:srgbClr val="000000"/>
-                </a:solidFill>
-                <a:latin typeface="Courier New" panose="02070309020205020404" pitchFamily="49" charset="0"/>
-                <a:cs typeface="Courier New" panose="02070309020205020404" pitchFamily="49" charset="0"/>
-              </a:rPr>
-              <a:t>        </a:t>
-            </a:r>
-            <a:r>
-              <a:rPr lang="en-US" sz="1754" dirty="0">
+              <a:rPr lang="en-US" sz="1754" dirty="0" smtClean="0">
                 <a:solidFill>
                   <a:srgbClr val="009A00"/>
                 </a:solidFill>
                 <a:latin typeface="Courier New" panose="02070309020205020404" pitchFamily="49" charset="0"/>
                 <a:cs typeface="Courier New" panose="02070309020205020404" pitchFamily="49" charset="0"/>
               </a:rPr>
-              <a:t>// call real </a:t>
+              <a:t>// </a:t>
+            </a:r>
+            <a:r>
+              <a:rPr lang="en-US" sz="1754" dirty="0">
+                <a:solidFill>
+                  <a:srgbClr val="009A00"/>
+                </a:solidFill>
+                <a:latin typeface="Courier New" panose="02070309020205020404" pitchFamily="49" charset="0"/>
+                <a:cs typeface="Courier New" panose="02070309020205020404" pitchFamily="49" charset="0"/>
+              </a:rPr>
+              <a:t>call real </a:t>
             </a:r>
             <a:r>
               <a:rPr lang="en-US" sz="1754" dirty="0" err="1">
@@ -3782,8 +3778,10 @@
                 <a:latin typeface="Courier New" panose="02070309020205020404" pitchFamily="49" charset="0"/>
                 <a:cs typeface="Courier New" panose="02070309020205020404" pitchFamily="49" charset="0"/>
               </a:rPr>
-              <a:t> </a:t>
-            </a:r>
+              <a:t>  } else {</a:t>
+            </a:r>
+          </a:p>
+          <a:p>
             <a:r>
               <a:rPr lang="en-US" sz="1754" dirty="0">
                 <a:solidFill>
@@ -3792,29 +3790,7 @@
                 <a:latin typeface="Courier New" panose="02070309020205020404" pitchFamily="49" charset="0"/>
                 <a:cs typeface="Courier New" panose="02070309020205020404" pitchFamily="49" charset="0"/>
               </a:rPr>
-              <a:t> } else {</a:t>
-            </a:r>
-          </a:p>
-          <a:p>
-            <a:r>
-              <a:rPr lang="en-US" sz="1754" dirty="0">
-                <a:solidFill>
-                  <a:srgbClr val="000000"/>
-                </a:solidFill>
-                <a:latin typeface="Courier New" panose="02070309020205020404" pitchFamily="49" charset="0"/>
-                <a:cs typeface="Courier New" panose="02070309020205020404" pitchFamily="49" charset="0"/>
-              </a:rPr>
-              <a:t> </a:t>
-            </a:r>
-            <a:r>
-              <a:rPr lang="en-US" sz="1754" dirty="0">
-                <a:solidFill>
-                  <a:srgbClr val="000000"/>
-                </a:solidFill>
-                <a:latin typeface="Courier New" panose="02070309020205020404" pitchFamily="49" charset="0"/>
-                <a:cs typeface="Courier New" panose="02070309020205020404" pitchFamily="49" charset="0"/>
-              </a:rPr>
-              <a:t>   return </a:t>
+              <a:t>    return </a:t>
             </a:r>
             <a:r>
               <a:rPr lang="en-US" sz="1754" dirty="0">
@@ -3854,25 +3830,8 @@
                 <a:latin typeface="Courier New" panose="02070309020205020404" pitchFamily="49" charset="0"/>
                 <a:cs typeface="Courier New" panose="02070309020205020404" pitchFamily="49" charset="0"/>
               </a:rPr>
-              <a:t> </a:t>
-            </a:r>
-            <a:r>
-              <a:rPr lang="en-US" sz="1754" dirty="0">
-                <a:solidFill>
-                  <a:srgbClr val="000000"/>
-                </a:solidFill>
-                <a:latin typeface="Courier New" panose="02070309020205020404" pitchFamily="49" charset="0"/>
-                <a:cs typeface="Courier New" panose="02070309020205020404" pitchFamily="49" charset="0"/>
-              </a:rPr>
-              <a:t> }</a:t>
-            </a:r>
-            <a:endParaRPr lang="en-US" sz="1754" dirty="0">
-              <a:solidFill>
-                <a:srgbClr val="000000"/>
-              </a:solidFill>
-              <a:latin typeface="Courier New" panose="02070309020205020404" pitchFamily="49" charset="0"/>
-              <a:cs typeface="Courier New" panose="02070309020205020404" pitchFamily="49" charset="0"/>
-            </a:endParaRPr>
+              <a:t>  }</a:t>
+            </a:r>
           </a:p>
           <a:p>
             <a:r>
@@ -3921,25 +3880,40 @@
             <a:pPr algn="ctr"/>
             <a:r>
               <a:rPr lang="en-US" sz="1950" b="1" u="sng" dirty="0"/>
-              <a:t>Man Page </a:t>
-            </a:r>
-            <a:r>
-              <a:rPr lang="en-US" sz="1950" dirty="0"/>
+              <a:t>Man </a:t>
+            </a:r>
+            <a:r>
+              <a:rPr lang="en-US" sz="1950" b="1" u="sng" dirty="0" smtClean="0"/>
+              <a:t>Page</a:t>
+            </a:r>
+            <a:r>
+              <a:rPr lang="en-US" sz="1950" b="1" dirty="0" smtClean="0"/>
+              <a:t> </a:t>
+            </a:r>
+            <a:r>
+              <a:rPr lang="en-US" sz="1950" dirty="0" smtClean="0"/>
               <a:t>(</a:t>
             </a:r>
             <a:r>
-              <a:rPr lang="en-US" sz="1950" dirty="0" err="1">
+              <a:rPr lang="en-US" sz="1950" dirty="0" err="1" smtClean="0">
                 <a:latin typeface="Courier New" panose="02070309020205020404" pitchFamily="49" charset="0"/>
                 <a:cs typeface="Courier New" panose="02070309020205020404" pitchFamily="49" charset="0"/>
               </a:rPr>
               <a:t>malloc</a:t>
             </a:r>
             <a:r>
+              <a:rPr lang="en-US" sz="1950" dirty="0" smtClean="0">
+                <a:latin typeface="Courier New" panose="02070309020205020404" pitchFamily="49" charset="0"/>
+                <a:cs typeface="Courier New" panose="02070309020205020404" pitchFamily="49" charset="0"/>
+              </a:rPr>
+              <a:t>(3</a:t>
+            </a:r>
+            <a:r>
               <a:rPr lang="en-US" sz="1950" dirty="0">
                 <a:latin typeface="Courier New" panose="02070309020205020404" pitchFamily="49" charset="0"/>
                 <a:cs typeface="Courier New" panose="02070309020205020404" pitchFamily="49" charset="0"/>
               </a:rPr>
-              <a:t>(3)</a:t>
+              <a:t>)</a:t>
             </a:r>
             <a:r>
               <a:rPr lang="en-US" sz="1950" dirty="0"/>
@@ -3988,10 +3962,6 @@
               </a:rPr>
               <a:t>...</a:t>
             </a:r>
-            <a:endParaRPr lang="en-US" sz="1754" dirty="0">
-              <a:latin typeface="Courier New" panose="02070309020205020404" pitchFamily="49" charset="0"/>
-              <a:cs typeface="Courier New" panose="02070309020205020404" pitchFamily="49" charset="0"/>
-            </a:endParaRPr>
           </a:p>
         </p:txBody>
       </p:sp>
